--- a/presentation.pptx
+++ b/presentation.pptx
@@ -9569,6 +9569,262 @@
           </a:p>
         </p:txBody>
       </p:sp>
+      <p:sp>
+        <p:nvSpPr>
+          <p:cNvPr id="6" name="内容占位符 1">
+            <a:extLst>
+              <a:ext uri="{FF2B5EF4-FFF2-40B4-BE49-F238E27FC236}">
+                <a16:creationId xmlns:a16="http://schemas.microsoft.com/office/drawing/2014/main" id="{F0B42DDF-CB58-5504-5602-61F2E4703AAF}"/>
+              </a:ext>
+            </a:extLst>
+          </p:cNvPr>
+          <p:cNvSpPr txBox="1">
+            <a:spLocks/>
+          </p:cNvSpPr>
+          <p:nvPr/>
+        </p:nvSpPr>
+        <p:spPr>
+          <a:xfrm>
+            <a:off x="838199" y="1627979"/>
+            <a:ext cx="9800303" cy="4351336"/>
+          </a:xfrm>
+          <a:prstGeom prst="rect">
+            <a:avLst/>
+          </a:prstGeom>
+          <a:noFill/>
+          <a:ln>
+            <a:noFill/>
+          </a:ln>
+        </p:spPr>
+        <p:txBody>
+          <a:bodyPr vert="horz" wrap="square" lIns="91440" tIns="45720" rIns="91440" bIns="45720" anchor="t" anchorCtr="0" compatLnSpc="1">
+            <a:normAutofit/>
+          </a:bodyPr>
+          <a:lstStyle>
+            <a:lvl1pPr marL="171450" marR="0" lvl="0" indent="-171450" algn="l" defTabSz="685781" rtl="0" fontAlgn="auto" hangingPunct="1">
+              <a:lnSpc>
+                <a:spcPct val="90000"/>
+              </a:lnSpc>
+              <a:spcBef>
+                <a:spcPts val="750"/>
+              </a:spcBef>
+              <a:spcAft>
+                <a:spcPts val="0"/>
+              </a:spcAft>
+              <a:buSzPct val="100000"/>
+              <a:buFont typeface="Arial"/>
+              <a:buChar char="•"/>
+              <a:tabLst/>
+              <a:defRPr lang="en-US" sz="2100" b="0" i="0" u="none" strike="noStrike" kern="1200" cap="none" spc="0" baseline="0">
+                <a:solidFill>
+                  <a:srgbClr val="000000"/>
+                </a:solidFill>
+                <a:uFillTx/>
+                <a:latin typeface="Real Text Pro"/>
+                <a:ea typeface="Real Text Pro"/>
+                <a:cs typeface="Real Text Pro"/>
+              </a:defRPr>
+            </a:lvl1pPr>
+            <a:lvl2pPr marL="514340" marR="0" lvl="1" indent="-171450" algn="l" defTabSz="685781" rtl="0" fontAlgn="auto" hangingPunct="1">
+              <a:lnSpc>
+                <a:spcPct val="90000"/>
+              </a:lnSpc>
+              <a:spcBef>
+                <a:spcPts val="375"/>
+              </a:spcBef>
+              <a:spcAft>
+                <a:spcPts val="0"/>
+              </a:spcAft>
+              <a:buSzPct val="100000"/>
+              <a:buFont typeface="Arial"/>
+              <a:buChar char="•"/>
+              <a:tabLst/>
+              <a:defRPr lang="en-US" sz="1800" b="0" i="0" u="none" strike="noStrike" kern="1200" cap="none" spc="0" baseline="0">
+                <a:solidFill>
+                  <a:srgbClr val="000000"/>
+                </a:solidFill>
+                <a:uFillTx/>
+                <a:latin typeface="Real Text Pro"/>
+                <a:ea typeface="Real Text Pro"/>
+                <a:cs typeface="Real Text Pro"/>
+              </a:defRPr>
+            </a:lvl2pPr>
+            <a:lvl3pPr marL="857231" marR="0" lvl="2" indent="-171450" algn="l" defTabSz="685781" rtl="0" fontAlgn="auto" hangingPunct="1">
+              <a:lnSpc>
+                <a:spcPct val="90000"/>
+              </a:lnSpc>
+              <a:spcBef>
+                <a:spcPts val="375"/>
+              </a:spcBef>
+              <a:spcAft>
+                <a:spcPts val="0"/>
+              </a:spcAft>
+              <a:buSzPct val="100000"/>
+              <a:buFont typeface="Arial"/>
+              <a:buChar char="•"/>
+              <a:tabLst/>
+              <a:defRPr lang="en-US" sz="1500" b="0" i="0" u="none" strike="noStrike" kern="1200" cap="none" spc="0" baseline="0">
+                <a:solidFill>
+                  <a:srgbClr val="000000"/>
+                </a:solidFill>
+                <a:uFillTx/>
+                <a:latin typeface="Real Text Pro"/>
+                <a:ea typeface="Real Text Pro"/>
+                <a:cs typeface="Real Text Pro"/>
+              </a:defRPr>
+            </a:lvl3pPr>
+            <a:lvl4pPr marL="1200122" marR="0" lvl="3" indent="-171450" algn="l" defTabSz="685781" rtl="0" fontAlgn="auto" hangingPunct="1">
+              <a:lnSpc>
+                <a:spcPct val="90000"/>
+              </a:lnSpc>
+              <a:spcBef>
+                <a:spcPts val="375"/>
+              </a:spcBef>
+              <a:spcAft>
+                <a:spcPts val="0"/>
+              </a:spcAft>
+              <a:buSzPct val="100000"/>
+              <a:buFont typeface="Arial"/>
+              <a:buChar char="•"/>
+              <a:tabLst/>
+              <a:defRPr lang="en-US" sz="1350" b="0" i="0" u="none" strike="noStrike" kern="1200" cap="none" spc="0" baseline="0">
+                <a:solidFill>
+                  <a:srgbClr val="000000"/>
+                </a:solidFill>
+                <a:uFillTx/>
+                <a:latin typeface="Real Text Pro"/>
+                <a:ea typeface="Real Text Pro"/>
+                <a:cs typeface="Real Text Pro"/>
+              </a:defRPr>
+            </a:lvl4pPr>
+            <a:lvl5pPr marL="1543013" marR="0" lvl="4" indent="-171450" algn="l" defTabSz="685781" rtl="0" fontAlgn="auto" hangingPunct="1">
+              <a:lnSpc>
+                <a:spcPct val="90000"/>
+              </a:lnSpc>
+              <a:spcBef>
+                <a:spcPts val="375"/>
+              </a:spcBef>
+              <a:spcAft>
+                <a:spcPts val="0"/>
+              </a:spcAft>
+              <a:buSzPct val="100000"/>
+              <a:buFont typeface="Arial"/>
+              <a:buChar char="•"/>
+              <a:tabLst/>
+              <a:defRPr lang="en-US" sz="1350" b="0" i="0" u="none" strike="noStrike" kern="1200" cap="none" spc="0" baseline="0">
+                <a:solidFill>
+                  <a:srgbClr val="000000"/>
+                </a:solidFill>
+                <a:uFillTx/>
+                <a:latin typeface="Real Text Pro"/>
+                <a:ea typeface="Real Text Pro"/>
+                <a:cs typeface="Real Text Pro"/>
+              </a:defRPr>
+            </a:lvl5pPr>
+            <a:lvl6pPr marL="2514600" indent="-228600" algn="l" defTabSz="914400" rtl="0" eaLnBrk="1" latinLnBrk="0" hangingPunct="1">
+              <a:lnSpc>
+                <a:spcPct val="90000"/>
+              </a:lnSpc>
+              <a:spcBef>
+                <a:spcPts val="500"/>
+              </a:spcBef>
+              <a:buFont typeface="Arial" panose="020B0604020202020204" pitchFamily="34" charset="0"/>
+              <a:buChar char="•"/>
+              <a:defRPr sz="1800" kern="1200">
+                <a:solidFill>
+                  <a:schemeClr val="tx1"/>
+                </a:solidFill>
+                <a:latin typeface="+mn-lt"/>
+                <a:ea typeface="+mn-ea"/>
+                <a:cs typeface="+mn-cs"/>
+              </a:defRPr>
+            </a:lvl6pPr>
+            <a:lvl7pPr marL="2971800" indent="-228600" algn="l" defTabSz="914400" rtl="0" eaLnBrk="1" latinLnBrk="0" hangingPunct="1">
+              <a:lnSpc>
+                <a:spcPct val="90000"/>
+              </a:lnSpc>
+              <a:spcBef>
+                <a:spcPts val="500"/>
+              </a:spcBef>
+              <a:buFont typeface="Arial" panose="020B0604020202020204" pitchFamily="34" charset="0"/>
+              <a:buChar char="•"/>
+              <a:defRPr sz="1800" kern="1200">
+                <a:solidFill>
+                  <a:schemeClr val="tx1"/>
+                </a:solidFill>
+                <a:latin typeface="+mn-lt"/>
+                <a:ea typeface="+mn-ea"/>
+                <a:cs typeface="+mn-cs"/>
+              </a:defRPr>
+            </a:lvl7pPr>
+            <a:lvl8pPr marL="3429000" indent="-228600" algn="l" defTabSz="914400" rtl="0" eaLnBrk="1" latinLnBrk="0" hangingPunct="1">
+              <a:lnSpc>
+                <a:spcPct val="90000"/>
+              </a:lnSpc>
+              <a:spcBef>
+                <a:spcPts val="500"/>
+              </a:spcBef>
+              <a:buFont typeface="Arial" panose="020B0604020202020204" pitchFamily="34" charset="0"/>
+              <a:buChar char="•"/>
+              <a:defRPr sz="1800" kern="1200">
+                <a:solidFill>
+                  <a:schemeClr val="tx1"/>
+                </a:solidFill>
+                <a:latin typeface="+mn-lt"/>
+                <a:ea typeface="+mn-ea"/>
+                <a:cs typeface="+mn-cs"/>
+              </a:defRPr>
+            </a:lvl8pPr>
+            <a:lvl9pPr marL="3886200" indent="-228600" algn="l" defTabSz="914400" rtl="0" eaLnBrk="1" latinLnBrk="0" hangingPunct="1">
+              <a:lnSpc>
+                <a:spcPct val="90000"/>
+              </a:lnSpc>
+              <a:spcBef>
+                <a:spcPts val="500"/>
+              </a:spcBef>
+              <a:buFont typeface="Arial" panose="020B0604020202020204" pitchFamily="34" charset="0"/>
+              <a:buChar char="•"/>
+              <a:defRPr sz="1800" kern="1200">
+                <a:solidFill>
+                  <a:schemeClr val="tx1"/>
+                </a:solidFill>
+                <a:latin typeface="+mn-lt"/>
+                <a:ea typeface="+mn-ea"/>
+                <a:cs typeface="+mn-cs"/>
+              </a:defRPr>
+            </a:lvl9pPr>
+          </a:lstStyle>
+          <a:p>
+            <a:pPr marL="285750" indent="-285750" defTabSz="914400">
+              <a:buFont typeface="Arial" panose="020B0604020202020204" pitchFamily="34" charset="0"/>
+              <a:buChar char="•"/>
+            </a:pPr>
+            <a:r>
+              <a:rPr lang="en-CA" altLang="zh-CN" dirty="0">
+                <a:solidFill>
+                  <a:srgbClr val="0A0A0A"/>
+                </a:solidFill>
+                <a:latin typeface="Inter"/>
+                <a:ea typeface="+mn-ea"/>
+                <a:cs typeface="+mn-cs"/>
+              </a:rPr>
+              <a:t>Let’s get into the solution!!!</a:t>
+            </a:r>
+          </a:p>
+          <a:p>
+            <a:pPr marL="285750" indent="-285750" defTabSz="914400">
+              <a:buFont typeface="Arial" panose="020B0604020202020204" pitchFamily="34" charset="0"/>
+              <a:buChar char="•"/>
+            </a:pPr>
+            <a:endParaRPr lang="en-CA" altLang="zh-CN" sz="3600" dirty="0">
+              <a:solidFill>
+                <a:schemeClr val="tx1"/>
+              </a:solidFill>
+              <a:latin typeface="Arial" panose="020B0604020202020204" pitchFamily="34" charset="0"/>
+            </a:endParaRPr>
+          </a:p>
+        </p:txBody>
+      </p:sp>
     </p:spTree>
     <p:extLst>
       <p:ext uri="{BB962C8B-B14F-4D97-AF65-F5344CB8AC3E}">
@@ -9623,151 +9879,200 @@
         </p:nvSpPr>
         <p:spPr>
           <a:xfrm>
-            <a:off x="1763730" y="1627979"/>
-            <a:ext cx="7886700" cy="4351336"/>
+            <a:off x="838199" y="1627979"/>
+            <a:ext cx="9800303" cy="4351336"/>
           </a:xfrm>
         </p:spPr>
         <p:txBody>
-          <a:bodyPr/>
+          <a:bodyPr>
+            <a:normAutofit/>
+          </a:bodyPr>
           <a:lstStyle/>
           <a:p>
-            <a:r>
-              <a:rPr kumimoji="0" lang="zh-CN" altLang="zh-CN" sz="2400" b="0" i="0" u="none" strike="noStrike" cap="none" normalizeH="0" baseline="0" dirty="0">
-                <a:ln>
-                  <a:noFill/>
-                </a:ln>
-                <a:solidFill>
-                  <a:schemeClr val="tx1"/>
-                </a:solidFill>
-                <a:effectLst/>
-                <a:latin typeface="Times New Roman" panose="02020603050405020304" pitchFamily="18" charset="0"/>
-                <a:cs typeface="Times New Roman" panose="02020603050405020304" pitchFamily="18" charset="0"/>
-              </a:rPr>
-              <a:t>Wikipedia contributors. (2025, March 20). </a:t>
-            </a:r>
-            <a:r>
-              <a:rPr kumimoji="0" lang="zh-CN" altLang="zh-CN" sz="2400" b="0" i="1" u="none" strike="noStrike" cap="none" normalizeH="0" baseline="0" dirty="0">
-                <a:ln>
-                  <a:noFill/>
-                </a:ln>
-                <a:solidFill>
-                  <a:schemeClr val="tx1"/>
-                </a:solidFill>
-                <a:effectLst/>
-                <a:latin typeface="Times New Roman" panose="02020603050405020304" pitchFamily="18" charset="0"/>
-                <a:cs typeface="Times New Roman" panose="02020603050405020304" pitchFamily="18" charset="0"/>
-              </a:rPr>
-              <a:t>Regular expression</a:t>
-            </a:r>
-            <a:r>
-              <a:rPr kumimoji="0" lang="zh-CN" altLang="zh-CN" sz="2400" b="0" i="0" u="none" strike="noStrike" cap="none" normalizeH="0" baseline="0" dirty="0">
-                <a:ln>
-                  <a:noFill/>
-                </a:ln>
-                <a:solidFill>
-                  <a:schemeClr val="tx1"/>
-                </a:solidFill>
-                <a:effectLst/>
-                <a:latin typeface="Times New Roman" panose="02020603050405020304" pitchFamily="18" charset="0"/>
-                <a:cs typeface="Times New Roman" panose="02020603050405020304" pitchFamily="18" charset="0"/>
-              </a:rPr>
-              <a:t>. Wikipedia. </a:t>
-            </a:r>
-            <a:r>
-              <a:rPr kumimoji="0" lang="zh-CN" altLang="zh-CN" sz="2400" b="0" i="0" u="none" strike="noStrike" cap="none" normalizeH="0" baseline="0" dirty="0">
-                <a:ln>
-                  <a:noFill/>
-                </a:ln>
-                <a:solidFill>
-                  <a:schemeClr val="tx1"/>
-                </a:solidFill>
-                <a:effectLst/>
-                <a:latin typeface="Times New Roman" panose="02020603050405020304" pitchFamily="18" charset="0"/>
-                <a:cs typeface="Times New Roman" panose="02020603050405020304" pitchFamily="18" charset="0"/>
-                <a:hlinkClick r:id="rId3"/>
+            <a:pPr marL="285750" indent="-285750" defTabSz="914400">
+              <a:buFont typeface="Arial" panose="020B0604020202020204" pitchFamily="34" charset="0"/>
+              <a:buChar char="•"/>
+            </a:pPr>
+            <a:r>
+              <a:rPr lang="en-CA" altLang="zh-CN" dirty="0">
+                <a:solidFill>
+                  <a:srgbClr val="0A0A0A"/>
+                </a:solidFill>
+                <a:latin typeface="Inter"/>
+                <a:ea typeface="+mn-ea"/>
+                <a:cs typeface="+mn-cs"/>
+              </a:rPr>
+              <a:t>[1] </a:t>
+            </a:r>
+            <a:r>
+              <a:rPr lang="zh-CN" altLang="zh-CN" dirty="0">
+                <a:solidFill>
+                  <a:srgbClr val="0A0A0A"/>
+                </a:solidFill>
+                <a:latin typeface="Inter"/>
+                <a:ea typeface="+mn-ea"/>
+                <a:cs typeface="+mn-cs"/>
+              </a:rPr>
+              <a:t>Wikipedia contributors. (2025, March 20). Regular expression. Wikipedia. </a:t>
+            </a:r>
+            <a:r>
+              <a:rPr lang="zh-CN" altLang="zh-CN" dirty="0">
+                <a:solidFill>
+                  <a:srgbClr val="0A0A0A"/>
+                </a:solidFill>
+                <a:latin typeface="Inter"/>
+                <a:ea typeface="+mn-ea"/>
+                <a:cs typeface="+mn-cs"/>
+                <a:hlinkClick r:id="rId3">
+                  <a:extLst>
+                    <a:ext uri="{A12FA001-AC4F-418D-AE19-62706E023703}">
+                      <ahyp:hlinkClr xmlns:ahyp="http://schemas.microsoft.com/office/drawing/2018/hyperlinkcolor" val="tx"/>
+                    </a:ext>
+                  </a:extLst>
+                </a:hlinkClick>
               </a:rPr>
               <a:t>https://en.wikipedia.org/wiki/Regular_expression</a:t>
             </a:r>
-            <a:endParaRPr kumimoji="0" lang="en-US" altLang="zh-CN" sz="2400" b="0" i="0" u="none" strike="noStrike" cap="none" normalizeH="0" baseline="0" dirty="0">
-              <a:ln>
-                <a:noFill/>
-              </a:ln>
+            <a:endParaRPr lang="zh-CN" altLang="zh-CN" dirty="0">
               <a:solidFill>
-                <a:schemeClr val="tx1"/>
+                <a:srgbClr val="0A0A0A"/>
               </a:solidFill>
-              <a:effectLst/>
-              <a:latin typeface="Times New Roman" panose="02020603050405020304" pitchFamily="18" charset="0"/>
-              <a:cs typeface="Times New Roman" panose="02020603050405020304" pitchFamily="18" charset="0"/>
+              <a:latin typeface="Inter"/>
+              <a:ea typeface="+mn-ea"/>
+              <a:cs typeface="+mn-cs"/>
             </a:endParaRPr>
           </a:p>
           <a:p>
-            <a:pPr marL="0" indent="0">
-              <a:buNone/>
+            <a:pPr marL="285750" indent="-285750" defTabSz="914400">
+              <a:buFont typeface="Arial" panose="020B0604020202020204" pitchFamily="34" charset="0"/>
+              <a:buChar char="•"/>
             </a:pPr>
-            <a:endParaRPr kumimoji="0" lang="zh-CN" altLang="zh-CN" sz="3600" b="0" i="0" u="none" strike="noStrike" cap="none" normalizeH="0" baseline="0" dirty="0">
-              <a:ln>
-                <a:noFill/>
-              </a:ln>
+            <a:r>
+              <a:rPr lang="en-CA" altLang="zh-CN" dirty="0">
+                <a:solidFill>
+                  <a:srgbClr val="0A0A0A"/>
+                </a:solidFill>
+                <a:latin typeface="Inter"/>
+                <a:ea typeface="+mn-ea"/>
+                <a:cs typeface="+mn-cs"/>
+              </a:rPr>
+              <a:t>[2] </a:t>
+            </a:r>
+            <a:r>
+              <a:rPr lang="zh-CN" altLang="zh-CN" dirty="0">
+                <a:solidFill>
+                  <a:srgbClr val="0A0A0A"/>
+                </a:solidFill>
+                <a:latin typeface="Inter"/>
+                <a:ea typeface="+mn-ea"/>
+                <a:cs typeface="+mn-cs"/>
+              </a:rPr>
+              <a:t>BasuMallick, C. (2024, May 13). A Simplified Guide to Dynamic Programming - Spiceworks Inc. Spiceworks Inc. </a:t>
+            </a:r>
+            <a:r>
+              <a:rPr lang="zh-CN" altLang="zh-CN" dirty="0">
+                <a:solidFill>
+                  <a:srgbClr val="0A0A0A"/>
+                </a:solidFill>
+                <a:latin typeface="Inter"/>
+                <a:ea typeface="+mn-ea"/>
+                <a:cs typeface="+mn-cs"/>
+                <a:hlinkClick r:id="rId4">
+                  <a:extLst>
+                    <a:ext uri="{A12FA001-AC4F-418D-AE19-62706E023703}">
+                      <ahyp:hlinkClr xmlns:ahyp="http://schemas.microsoft.com/office/drawing/2018/hyperlinkcolor" val="tx"/>
+                    </a:ext>
+                  </a:extLst>
+                </a:hlinkClick>
+              </a:rPr>
+              <a:t>https://www.spiceworks.com/tech/devops/articles/what-is-dynamic-programming/</a:t>
+            </a:r>
+            <a:endParaRPr lang="en-CA" altLang="zh-CN" dirty="0">
               <a:solidFill>
-                <a:schemeClr val="tx1"/>
+                <a:srgbClr val="0A0A0A"/>
               </a:solidFill>
-              <a:effectLst/>
-              <a:latin typeface="Arial" panose="020B0604020202020204" pitchFamily="34" charset="0"/>
+              <a:latin typeface="Inter"/>
+              <a:ea typeface="+mn-ea"/>
+              <a:cs typeface="+mn-cs"/>
             </a:endParaRPr>
           </a:p>
           <a:p>
-            <a:r>
-              <a:rPr kumimoji="0" lang="zh-CN" altLang="zh-CN" sz="2400" b="0" i="0" u="none" strike="noStrike" cap="none" normalizeH="0" baseline="0" dirty="0">
-                <a:ln>
-                  <a:noFill/>
-                </a:ln>
-                <a:solidFill>
-                  <a:schemeClr val="tx1"/>
-                </a:solidFill>
-                <a:effectLst/>
-                <a:latin typeface="Times New Roman" panose="02020603050405020304" pitchFamily="18" charset="0"/>
-                <a:cs typeface="Times New Roman" panose="02020603050405020304" pitchFamily="18" charset="0"/>
-              </a:rPr>
-              <a:t>BasuMallick, C. (2024, May 13). </a:t>
-            </a:r>
-            <a:r>
-              <a:rPr kumimoji="0" lang="zh-CN" altLang="zh-CN" sz="2400" b="0" i="1" u="none" strike="noStrike" cap="none" normalizeH="0" baseline="0" dirty="0">
-                <a:ln>
-                  <a:noFill/>
-                </a:ln>
-                <a:solidFill>
-                  <a:schemeClr val="tx1"/>
-                </a:solidFill>
-                <a:effectLst/>
-                <a:latin typeface="Times New Roman" panose="02020603050405020304" pitchFamily="18" charset="0"/>
-                <a:cs typeface="Times New Roman" panose="02020603050405020304" pitchFamily="18" charset="0"/>
-              </a:rPr>
-              <a:t>A Simplified Guide to Dynamic Programming - Spiceworks Inc</a:t>
-            </a:r>
-            <a:r>
-              <a:rPr kumimoji="0" lang="zh-CN" altLang="zh-CN" sz="2400" b="0" i="0" u="none" strike="noStrike" cap="none" normalizeH="0" baseline="0" dirty="0">
-                <a:ln>
-                  <a:noFill/>
-                </a:ln>
-                <a:solidFill>
-                  <a:schemeClr val="tx1"/>
-                </a:solidFill>
-                <a:effectLst/>
-                <a:latin typeface="Times New Roman" panose="02020603050405020304" pitchFamily="18" charset="0"/>
-                <a:cs typeface="Times New Roman" panose="02020603050405020304" pitchFamily="18" charset="0"/>
-              </a:rPr>
-              <a:t>. Spiceworks Inc. https://www.spiceworks.com/tech/devops/articles/what-is-dynamic-programming/</a:t>
-            </a:r>
-            <a:endParaRPr kumimoji="0" lang="zh-CN" altLang="zh-CN" sz="3600" b="0" i="0" u="none" strike="noStrike" cap="none" normalizeH="0" baseline="0" dirty="0">
-              <a:ln>
-                <a:noFill/>
-              </a:ln>
-              <a:solidFill>
-                <a:schemeClr val="tx1"/>
-              </a:solidFill>
-              <a:effectLst/>
-              <a:latin typeface="Arial" panose="020B0604020202020204" pitchFamily="34" charset="0"/>
-            </a:endParaRPr>
+            <a:pPr marL="285750" indent="-285750" defTabSz="914400">
+              <a:buFont typeface="Arial" panose="020B0604020202020204" pitchFamily="34" charset="0"/>
+              <a:buChar char="•"/>
+            </a:pPr>
+            <a:r>
+              <a:rPr lang="en-US" altLang="zh-CN" dirty="0">
+                <a:solidFill>
+                  <a:srgbClr val="0A0A0A"/>
+                </a:solidFill>
+                <a:latin typeface="Inter"/>
+                <a:ea typeface="+mn-ea"/>
+                <a:cs typeface="+mn-cs"/>
+              </a:rPr>
+              <a:t>[3] "Regular Expression Matching," </a:t>
+            </a:r>
+            <a:r>
+              <a:rPr lang="en-US" altLang="zh-CN" dirty="0" err="1">
+                <a:solidFill>
+                  <a:srgbClr val="0A0A0A"/>
+                </a:solidFill>
+                <a:latin typeface="Inter"/>
+                <a:ea typeface="+mn-ea"/>
+                <a:cs typeface="+mn-cs"/>
+              </a:rPr>
+              <a:t>Algo.Monster</a:t>
+            </a:r>
+            <a:r>
+              <a:rPr lang="en-US" altLang="zh-CN" dirty="0">
+                <a:solidFill>
+                  <a:srgbClr val="0A0A0A"/>
+                </a:solidFill>
+                <a:latin typeface="Inter"/>
+                <a:ea typeface="+mn-ea"/>
+                <a:cs typeface="+mn-cs"/>
+              </a:rPr>
+              <a:t>. [Online]. Available: https://algo.monster/liteproblems/10. [Accessed: Mar. 22, 2025].</a:t>
+            </a:r>
+          </a:p>
+          <a:p>
+            <a:pPr marL="285750" indent="-285750" defTabSz="914400">
+              <a:buFont typeface="Arial" panose="020B0604020202020204" pitchFamily="34" charset="0"/>
+              <a:buChar char="•"/>
+            </a:pPr>
+            <a:r>
+              <a:rPr lang="en-US" altLang="zh-CN" dirty="0">
+                <a:solidFill>
+                  <a:srgbClr val="0A0A0A"/>
+                </a:solidFill>
+                <a:latin typeface="Inter"/>
+                <a:ea typeface="+mn-ea"/>
+                <a:cs typeface="+mn-cs"/>
+              </a:rPr>
+              <a:t>[4] "Regular Expression Matching," </a:t>
+            </a:r>
+            <a:r>
+              <a:rPr lang="en-US" altLang="zh-CN" dirty="0" err="1">
+                <a:solidFill>
+                  <a:srgbClr val="0A0A0A"/>
+                </a:solidFill>
+                <a:latin typeface="Inter"/>
+                <a:ea typeface="+mn-ea"/>
+                <a:cs typeface="+mn-cs"/>
+              </a:rPr>
+              <a:t>LeetCode</a:t>
+            </a:r>
+            <a:r>
+              <a:rPr lang="en-US" altLang="zh-CN" dirty="0">
+                <a:solidFill>
+                  <a:srgbClr val="0A0A0A"/>
+                </a:solidFill>
+                <a:latin typeface="Inter"/>
+                <a:ea typeface="+mn-ea"/>
+                <a:cs typeface="+mn-cs"/>
+              </a:rPr>
+              <a:t>. [Online]. Available: https://leetcode.com/problems/regular-expression-matching/description/. [Accessed: Mar. 22, 2025].</a:t>
+            </a:r>
           </a:p>
         </p:txBody>
       </p:sp>

--- a/presentation.pptx
+++ b/presentation.pptx
@@ -7880,7 +7880,7 @@
                 </a:solidFill>
                 <a:latin typeface="Arial" pitchFamily="34"/>
               </a:rPr>
-              <a:t>, there will be a previous valid character to match.</a:t>
+              <a:t>, there will be a previous valid character to match. [4]</a:t>
             </a:r>
           </a:p>
         </p:txBody>
@@ -8154,7 +8154,7 @@
                 <a:effectLst/>
                 <a:latin typeface="Real Text Pro"/>
               </a:rPr>
-              <a:t>Common Regex Symbols</a:t>
+              <a:t>Common Regex Symbols [1]</a:t>
             </a:r>
           </a:p>
         </p:txBody>
@@ -9120,7 +9120,7 @@
                 <a:ea typeface="等线" panose="02010600030101010101" pitchFamily="2" charset="-122"/>
                 <a:cs typeface="Times New Roman" panose="02020603050405020304" pitchFamily="18" charset="0"/>
               </a:rPr>
-              <a:t>: Uses iterative table-filling.</a:t>
+              <a:t>: Uses iterative table-filling. [2]</a:t>
             </a:r>
             <a:endParaRPr lang="zh-CN" altLang="zh-CN" sz="1500" kern="100" dirty="0">
               <a:effectLst/>
@@ -9244,7 +9244,7 @@
             </a:r>
             <a:r>
               <a:rPr lang="en-US" dirty="0"/>
-              <a:t> characters of string match the first j characters of pattern. And fill it with nested loop.</a:t>
+              <a:t> characters of string match the first j characters of pattern. And fill it with nested loop. [3]</a:t>
             </a:r>
           </a:p>
         </p:txBody>
@@ -9880,7 +9880,7 @@
         <p:spPr>
           <a:xfrm>
             <a:off x="838199" y="1627979"/>
-            <a:ext cx="9800303" cy="4351336"/>
+            <a:ext cx="9800303" cy="3937079"/>
           </a:xfrm>
         </p:spPr>
         <p:txBody>
